--- a/PPT JEE ANDROID.pptx
+++ b/PPT JEE ANDROID.pptx
@@ -9,11 +9,11 @@
     <p:sldId id="257" r:id="rId3"/>
     <p:sldId id="258" r:id="rId4"/>
     <p:sldId id="259" r:id="rId5"/>
-    <p:sldId id="265" r:id="rId6"/>
-    <p:sldId id="260" r:id="rId7"/>
-    <p:sldId id="261" r:id="rId8"/>
-    <p:sldId id="262" r:id="rId9"/>
-    <p:sldId id="263" r:id="rId10"/>
+    <p:sldId id="260" r:id="rId6"/>
+    <p:sldId id="261" r:id="rId7"/>
+    <p:sldId id="262" r:id="rId8"/>
+    <p:sldId id="263" r:id="rId9"/>
+    <p:sldId id="265" r:id="rId10"/>
     <p:sldId id="264" r:id="rId11"/>
   </p:sldIdLst>
   <p:sldSz cx="12192000" cy="6858000"/>
@@ -113,6 +113,11 @@
       </a:defRPr>
     </a:lvl9pPr>
   </p:defaultTextStyle>
+  <p:extLst>
+    <p:ext uri="{EFAFB233-063F-42B5-8137-9DF3F51BA10A}">
+      <p15:sldGuideLst xmlns:p15="http://schemas.microsoft.com/office/powerpoint/2012/main"/>
+    </p:ext>
+  </p:extLst>
 </p:presentation>
 </file>
 
@@ -8050,12 +8055,43 @@
             <p:ph idx="1"/>
           </p:nvPr>
         </p:nvSpPr>
-        <p:spPr/>
+        <p:spPr>
+          <a:xfrm>
+            <a:off x="2589212" y="2422567"/>
+            <a:ext cx="8915400" cy="3488656"/>
+          </a:xfrm>
+        </p:spPr>
         <p:txBody>
           <a:bodyPr/>
           <a:lstStyle/>
           <a:p>
-            <a:endParaRPr lang="fr-FR"/>
+            <a:r>
+              <a:rPr lang="fr-FR" dirty="0" smtClean="0"/>
+              <a:t>Mise </a:t>
+            </a:r>
+            <a:r>
+              <a:rPr lang="fr-FR" dirty="0"/>
+              <a:t>en pratique / Apport de </a:t>
+            </a:r>
+            <a:r>
+              <a:rPr lang="fr-FR" dirty="0" smtClean="0"/>
+              <a:t>connaissances</a:t>
+            </a:r>
+          </a:p>
+          <a:p>
+            <a:endParaRPr lang="fr-FR" dirty="0" smtClean="0"/>
+          </a:p>
+          <a:p>
+            <a:r>
+              <a:rPr lang="fr-FR" dirty="0" smtClean="0"/>
+              <a:t>Travail en équipe</a:t>
+            </a:r>
+          </a:p>
+          <a:p>
+            <a:endParaRPr lang="fr-FR" dirty="0"/>
+          </a:p>
+          <a:p>
+            <a:endParaRPr lang="fr-FR" dirty="0"/>
           </a:p>
         </p:txBody>
       </p:sp>
@@ -8429,6 +8465,17 @@
             </a:pPr>
             <a:r>
               <a:rPr lang="fr-FR" dirty="0" smtClean="0"/>
+              <a:t>Perspectives d’évolution</a:t>
+            </a:r>
+            <a:endParaRPr lang="fr-FR" dirty="0" smtClean="0"/>
+          </a:p>
+          <a:p>
+            <a:pPr>
+              <a:buFont typeface="Wingdings" panose="05000000000000000000" pitchFamily="2" charset="2"/>
+              <a:buChar char="Ø"/>
+            </a:pPr>
+            <a:r>
+              <a:rPr lang="fr-FR" dirty="0" smtClean="0"/>
               <a:t>Conclusion</a:t>
             </a:r>
             <a:endParaRPr lang="fr-FR" dirty="0"/>
@@ -8497,7 +8544,7 @@
       </p:sp>
       <p:sp>
         <p:nvSpPr>
-          <p:cNvPr id="3" name="Espace réservé du contenu 2"/>
+          <p:cNvPr id="4" name="Espace réservé du contenu 2"/>
           <p:cNvSpPr>
             <a:spLocks noGrp="1"/>
           </p:cNvSpPr>
@@ -8505,10 +8552,134 @@
             <p:ph idx="1"/>
           </p:nvPr>
         </p:nvSpPr>
-        <p:spPr/>
-        <p:txBody>
-          <a:bodyPr/>
+        <p:spPr>
+          <a:xfrm>
+            <a:off x="2589212" y="1401288"/>
+            <a:ext cx="8915400" cy="5213268"/>
+          </a:xfrm>
+        </p:spPr>
+        <p:txBody>
+          <a:bodyPr>
+            <a:normAutofit fontScale="92500" lnSpcReduction="10000"/>
+          </a:bodyPr>
           <a:lstStyle/>
+          <a:p>
+            <a:r>
+              <a:rPr lang="fr-FR" sz="1700" dirty="0" smtClean="0"/>
+              <a:t>Le PuyDuFou</a:t>
+            </a:r>
+          </a:p>
+          <a:p>
+            <a:pPr marL="0" indent="0">
+              <a:buNone/>
+            </a:pPr>
+            <a:r>
+              <a:rPr lang="fr-FR" sz="1400" dirty="0" smtClean="0"/>
+              <a:t>Le puy du fou est un parc historique qui souhaite développer une application Androïd pour ses visiteurs.</a:t>
+            </a:r>
+            <a:endParaRPr lang="fr-FR" sz="1400" dirty="0" smtClean="0"/>
+          </a:p>
+          <a:p>
+            <a:r>
+              <a:rPr lang="fr-FR" sz="1700" dirty="0" smtClean="0"/>
+              <a:t>Fonctionnalités demandées</a:t>
+            </a:r>
+          </a:p>
+          <a:p>
+            <a:pPr>
+              <a:buFont typeface="Arial" panose="020B0604020202020204" pitchFamily="34" charset="0"/>
+              <a:buChar char="•"/>
+            </a:pPr>
+            <a:r>
+              <a:rPr lang="fr-FR" sz="1400" dirty="0"/>
+              <a:t>Les utilisateurs doivent pouvoir afficher un écran qui donne tous les spectacles à venir</a:t>
+            </a:r>
+            <a:r>
+              <a:rPr lang="fr-FR" sz="1400" dirty="0" smtClean="0"/>
+              <a:t>.</a:t>
+            </a:r>
+          </a:p>
+          <a:p>
+            <a:pPr>
+              <a:buFont typeface="Arial" panose="020B0604020202020204" pitchFamily="34" charset="0"/>
+              <a:buChar char="•"/>
+            </a:pPr>
+            <a:r>
+              <a:rPr lang="fr-FR" sz="1400" dirty="0"/>
+              <a:t>Un visiteur doit pouvoir créer son programme de la journée selon ses envies, le smartphone lui indiquera alors où il doit aller au fur et à mesure de la journée. 	</a:t>
+            </a:r>
+          </a:p>
+          <a:p>
+            <a:pPr>
+              <a:buFont typeface="Arial" panose="020B0604020202020204" pitchFamily="34" charset="0"/>
+              <a:buChar char="•"/>
+            </a:pPr>
+            <a:r>
+              <a:rPr lang="fr-FR" sz="1400" dirty="0"/>
+              <a:t>	Le smartphone doit calculer automatiquement le meilleur planning du jour en maximisant le rapport temps/durée des spectacles, tout en prenant en compte les temps de déplacement, de repas et de pauses</a:t>
+            </a:r>
+            <a:r>
+              <a:rPr lang="fr-FR" sz="1400" dirty="0" smtClean="0"/>
+              <a:t>.</a:t>
+            </a:r>
+          </a:p>
+          <a:p>
+            <a:pPr>
+              <a:buFont typeface="Arial" panose="020B0604020202020204" pitchFamily="34" charset="0"/>
+              <a:buChar char="•"/>
+            </a:pPr>
+            <a:r>
+              <a:rPr lang="fr-FR" sz="1400" dirty="0"/>
+              <a:t>Affichage des informations relatives à un spectacle, durée, horaires, date création, nombre d’acteur, évènement historique lié, etc. 	</a:t>
+            </a:r>
+          </a:p>
+          <a:p>
+            <a:pPr>
+              <a:buFont typeface="Arial" panose="020B0604020202020204" pitchFamily="34" charset="0"/>
+              <a:buChar char="•"/>
+            </a:pPr>
+            <a:r>
+              <a:rPr lang="fr-FR" sz="1400" dirty="0"/>
+              <a:t>Possibilités de noter un spectacle, la moyenne de toutes les notes individuelles du spectacle sera affichée après le vote. 	</a:t>
+            </a:r>
+          </a:p>
+          <a:p>
+            <a:pPr>
+              <a:buFont typeface="Arial" panose="020B0604020202020204" pitchFamily="34" charset="0"/>
+              <a:buChar char="•"/>
+            </a:pPr>
+            <a:r>
+              <a:rPr lang="fr-FR" sz="1400" dirty="0" smtClean="0"/>
+              <a:t>Informations sur les restaurants et boutiques</a:t>
+            </a:r>
+          </a:p>
+          <a:p>
+            <a:pPr>
+              <a:buFont typeface="Arial" panose="020B0604020202020204" pitchFamily="34" charset="0"/>
+              <a:buChar char="•"/>
+            </a:pPr>
+            <a:r>
+              <a:rPr lang="fr-FR" sz="1400" dirty="0"/>
+              <a:t>Connexion aux réseaux sociaux, envoi de statuts, commentaires, tweet, mais aussi de photos contextualisées avec un décor ajouté en filtre sur la photo. 	</a:t>
+            </a:r>
+          </a:p>
+          <a:p>
+            <a:pPr>
+              <a:buFont typeface="Arial" panose="020B0604020202020204" pitchFamily="34" charset="0"/>
+              <a:buChar char="•"/>
+            </a:pPr>
+            <a:r>
+              <a:rPr lang="fr-FR" sz="1400" dirty="0"/>
+              <a:t>Le Smartphone donne des informations historiques en rapport avec le spectacle à venir, mais aussi pour ce spectacle, des anecdotes ou des chiffres relatifs au parc. (les informations peuvent être données sous forme de questions – optionnel) 	</a:t>
+            </a:r>
+          </a:p>
+          <a:p>
+            <a:pPr>
+              <a:buFont typeface="Arial" panose="020B0604020202020204" pitchFamily="34" charset="0"/>
+              <a:buChar char="•"/>
+            </a:pPr>
+            <a:endParaRPr lang="fr-FR" sz="1400" dirty="0"/>
+          </a:p>
           <a:p>
             <a:pPr marL="0" indent="0">
               <a:buNone/>
@@ -8569,99 +8740,6 @@
           <a:bodyPr/>
           <a:lstStyle/>
           <a:p>
-            <a:endParaRPr lang="fr-FR"/>
-          </a:p>
-        </p:txBody>
-      </p:sp>
-      <p:sp>
-        <p:nvSpPr>
-          <p:cNvPr id="3" name="Espace réservé du contenu 2"/>
-          <p:cNvSpPr>
-            <a:spLocks noGrp="1"/>
-          </p:cNvSpPr>
-          <p:nvPr>
-            <p:ph idx="1"/>
-          </p:nvPr>
-        </p:nvSpPr>
-        <p:spPr/>
-        <p:txBody>
-          <a:bodyPr/>
-          <a:lstStyle/>
-          <a:p>
-            <a:r>
-              <a:rPr lang="fr-FR" dirty="0" smtClean="0"/>
-              <a:t>Le PuyDuFou</a:t>
-            </a:r>
-          </a:p>
-          <a:p>
-            <a:endParaRPr lang="fr-FR" dirty="0"/>
-          </a:p>
-          <a:p>
-            <a:endParaRPr lang="fr-FR" dirty="0" smtClean="0"/>
-          </a:p>
-          <a:p>
-            <a:r>
-              <a:rPr lang="fr-FR" dirty="0" smtClean="0"/>
-              <a:t>Fonctionnalités demandées</a:t>
-            </a:r>
-          </a:p>
-          <a:p>
-            <a:endParaRPr lang="fr-FR" dirty="0"/>
-          </a:p>
-        </p:txBody>
-      </p:sp>
-    </p:spTree>
-    <p:extLst>
-      <p:ext uri="{BB962C8B-B14F-4D97-AF65-F5344CB8AC3E}">
-        <p14:creationId xmlns:p14="http://schemas.microsoft.com/office/powerpoint/2010/main" val="1366964706"/>
-      </p:ext>
-    </p:extLst>
-  </p:cSld>
-  <p:clrMapOvr>
-    <a:masterClrMapping/>
-  </p:clrMapOvr>
-  <p:timing>
-    <p:tnLst>
-      <p:par>
-        <p:cTn id="1" dur="indefinite" restart="never" nodeType="tmRoot"/>
-      </p:par>
-    </p:tnLst>
-  </p:timing>
-</p:sld>
-</file>
-
-<file path=ppt/slides/slide6.xml><?xml version="1.0" encoding="utf-8"?>
-<p:sld xmlns:a="http://schemas.openxmlformats.org/drawingml/2006/main" xmlns:r="http://schemas.openxmlformats.org/officeDocument/2006/relationships" xmlns:p="http://schemas.openxmlformats.org/presentationml/2006/main">
-  <p:cSld>
-    <p:spTree>
-      <p:nvGrpSpPr>
-        <p:cNvPr id="1" name=""/>
-        <p:cNvGrpSpPr/>
-        <p:nvPr/>
-      </p:nvGrpSpPr>
-      <p:grpSpPr>
-        <a:xfrm>
-          <a:off x="0" y="0"/>
-          <a:ext cx="0" cy="0"/>
-          <a:chOff x="0" y="0"/>
-          <a:chExt cx="0" cy="0"/>
-        </a:xfrm>
-      </p:grpSpPr>
-      <p:sp>
-        <p:nvSpPr>
-          <p:cNvPr id="2" name="Titre 1"/>
-          <p:cNvSpPr>
-            <a:spLocks noGrp="1"/>
-          </p:cNvSpPr>
-          <p:nvPr>
-            <p:ph type="title"/>
-          </p:nvPr>
-        </p:nvSpPr>
-        <p:spPr/>
-        <p:txBody>
-          <a:bodyPr/>
-          <a:lstStyle/>
-          <a:p>
             <a:r>
               <a:rPr lang="fr-FR" dirty="0" smtClean="0"/>
               <a:t>Contraintes</a:t>
@@ -8740,7 +8818,7 @@
 </p:sld>
 </file>
 
-<file path=ppt/slides/slide7.xml><?xml version="1.0" encoding="utf-8"?>
+<file path=ppt/slides/slide6.xml><?xml version="1.0" encoding="utf-8"?>
 <p:sld xmlns:a="http://schemas.openxmlformats.org/drawingml/2006/main" xmlns:r="http://schemas.openxmlformats.org/officeDocument/2006/relationships" xmlns:p="http://schemas.openxmlformats.org/presentationml/2006/main">
   <p:cSld>
     <p:spTree>
@@ -8829,6 +8907,88 @@
 </p:sld>
 </file>
 
+<file path=ppt/slides/slide7.xml><?xml version="1.0" encoding="utf-8"?>
+<p:sld xmlns:a="http://schemas.openxmlformats.org/drawingml/2006/main" xmlns:r="http://schemas.openxmlformats.org/officeDocument/2006/relationships" xmlns:p="http://schemas.openxmlformats.org/presentationml/2006/main">
+  <p:cSld>
+    <p:spTree>
+      <p:nvGrpSpPr>
+        <p:cNvPr id="1" name=""/>
+        <p:cNvGrpSpPr/>
+        <p:nvPr/>
+      </p:nvGrpSpPr>
+      <p:grpSpPr>
+        <a:xfrm>
+          <a:off x="0" y="0"/>
+          <a:ext cx="0" cy="0"/>
+          <a:chOff x="0" y="0"/>
+          <a:chExt cx="0" cy="0"/>
+        </a:xfrm>
+      </p:grpSpPr>
+      <p:sp>
+        <p:nvSpPr>
+          <p:cNvPr id="2" name="Titre 1"/>
+          <p:cNvSpPr>
+            <a:spLocks noGrp="1"/>
+          </p:cNvSpPr>
+          <p:nvPr>
+            <p:ph type="title"/>
+          </p:nvPr>
+        </p:nvSpPr>
+        <p:spPr/>
+        <p:txBody>
+          <a:bodyPr/>
+          <a:lstStyle/>
+          <a:p>
+            <a:r>
+              <a:rPr lang="fr-FR" dirty="0" smtClean="0"/>
+              <a:t>Organisation</a:t>
+            </a:r>
+            <a:endParaRPr lang="fr-FR" dirty="0"/>
+          </a:p>
+        </p:txBody>
+      </p:sp>
+      <p:sp>
+        <p:nvSpPr>
+          <p:cNvPr id="3" name="Espace réservé du contenu 2"/>
+          <p:cNvSpPr>
+            <a:spLocks noGrp="1"/>
+          </p:cNvSpPr>
+          <p:nvPr>
+            <p:ph idx="1"/>
+          </p:nvPr>
+        </p:nvSpPr>
+        <p:spPr/>
+        <p:txBody>
+          <a:bodyPr/>
+          <a:lstStyle/>
+          <a:p>
+            <a:pPr marL="0" indent="0">
+              <a:buNone/>
+            </a:pPr>
+            <a:endParaRPr lang="fr-FR" dirty="0"/>
+          </a:p>
+        </p:txBody>
+      </p:sp>
+    </p:spTree>
+    <p:extLst>
+      <p:ext uri="{BB962C8B-B14F-4D97-AF65-F5344CB8AC3E}">
+        <p14:creationId xmlns:p14="http://schemas.microsoft.com/office/powerpoint/2010/main" val="3354287598"/>
+      </p:ext>
+    </p:extLst>
+  </p:cSld>
+  <p:clrMapOvr>
+    <a:masterClrMapping/>
+  </p:clrMapOvr>
+  <p:timing>
+    <p:tnLst>
+      <p:par>
+        <p:cTn id="1" dur="indefinite" restart="never" nodeType="tmRoot"/>
+      </p:par>
+    </p:tnLst>
+  </p:timing>
+</p:sld>
+</file>
+
 <file path=ppt/slides/slide8.xml><?xml version="1.0" encoding="utf-8"?>
 <p:sld xmlns:a="http://schemas.openxmlformats.org/drawingml/2006/main" xmlns:r="http://schemas.openxmlformats.org/officeDocument/2006/relationships" xmlns:p="http://schemas.openxmlformats.org/presentationml/2006/main">
   <p:cSld>
@@ -8863,7 +9023,7 @@
           <a:p>
             <a:r>
               <a:rPr lang="fr-FR" dirty="0" smtClean="0"/>
-              <a:t>Organisation</a:t>
+              <a:t>Démonstration</a:t>
             </a:r>
             <a:endParaRPr lang="fr-FR" dirty="0"/>
           </a:p>
@@ -8884,14 +9044,33 @@
           <a:bodyPr/>
           <a:lstStyle/>
           <a:p>
-            <a:endParaRPr lang="fr-FR"/>
+            <a:r>
+              <a:rPr lang="fr-FR" dirty="0" smtClean="0"/>
+              <a:t>Côté serveur</a:t>
+            </a:r>
+          </a:p>
+          <a:p>
+            <a:endParaRPr lang="fr-FR" dirty="0"/>
+          </a:p>
+          <a:p>
+            <a:endParaRPr lang="fr-FR" dirty="0" smtClean="0"/>
+          </a:p>
+          <a:p>
+            <a:endParaRPr lang="fr-FR" dirty="0" smtClean="0"/>
+          </a:p>
+          <a:p>
+            <a:r>
+              <a:rPr lang="fr-FR" dirty="0" smtClean="0"/>
+              <a:t>Côté client</a:t>
+            </a:r>
+            <a:endParaRPr lang="fr-FR" dirty="0"/>
           </a:p>
         </p:txBody>
       </p:sp>
     </p:spTree>
     <p:extLst>
       <p:ext uri="{BB962C8B-B14F-4D97-AF65-F5344CB8AC3E}">
-        <p14:creationId xmlns:p14="http://schemas.microsoft.com/office/powerpoint/2010/main" val="3354287598"/>
+        <p14:creationId xmlns:p14="http://schemas.microsoft.com/office/powerpoint/2010/main" val="589507354"/>
       </p:ext>
     </p:extLst>
   </p:cSld>
@@ -8942,7 +9121,7 @@
           <a:p>
             <a:r>
               <a:rPr lang="fr-FR" dirty="0" smtClean="0"/>
-              <a:t>Démonstration</a:t>
+              <a:t>Perspectives d’évolution</a:t>
             </a:r>
             <a:endParaRPr lang="fr-FR" dirty="0"/>
           </a:p>
@@ -8960,30 +9139,69 @@
         </p:nvSpPr>
         <p:spPr/>
         <p:txBody>
-          <a:bodyPr/>
+          <a:bodyPr>
+            <a:normAutofit lnSpcReduction="10000"/>
+          </a:bodyPr>
           <a:lstStyle/>
           <a:p>
-            <a:endParaRPr lang="fr-FR"/>
+            <a:r>
+              <a:rPr lang="fr-FR" dirty="0" smtClean="0"/>
+              <a:t>Calculer le meilleur planning en temps réel avec le GPS</a:t>
+            </a:r>
+          </a:p>
+          <a:p>
+            <a:endParaRPr lang="fr-FR" dirty="0" smtClean="0"/>
+          </a:p>
+          <a:p>
+            <a:r>
+              <a:rPr lang="fr-FR" dirty="0"/>
+              <a:t>Meilleure performance de </a:t>
+            </a:r>
+            <a:r>
+              <a:rPr lang="fr-FR" dirty="0" smtClean="0"/>
+              <a:t>l’application</a:t>
+            </a:r>
+          </a:p>
+          <a:p>
+            <a:endParaRPr lang="fr-FR" dirty="0"/>
+          </a:p>
+          <a:p>
+            <a:r>
+              <a:rPr lang="fr-FR" dirty="0" smtClean="0"/>
+              <a:t>Améliorer la création de planning en affichant la durée des spectacles et en rejetant les incohérences au niveau des horaires</a:t>
+            </a:r>
+          </a:p>
+          <a:p>
+            <a:endParaRPr lang="fr-FR" dirty="0" smtClean="0"/>
+          </a:p>
+          <a:p>
+            <a:r>
+              <a:rPr lang="fr-FR" dirty="0" smtClean="0"/>
+              <a:t>Gérer plus d’erreurs et réaliser plus de tests</a:t>
+            </a:r>
+          </a:p>
+          <a:p>
+            <a:endParaRPr lang="fr-FR" dirty="0" smtClean="0"/>
+          </a:p>
+          <a:p>
+            <a:r>
+              <a:rPr lang="fr-FR" dirty="0" smtClean="0"/>
+              <a:t>Le plan pourrait être réalisé sous forme interactive</a:t>
+            </a:r>
+            <a:endParaRPr lang="fr-FR" dirty="0"/>
           </a:p>
         </p:txBody>
       </p:sp>
     </p:spTree>
     <p:extLst>
       <p:ext uri="{BB962C8B-B14F-4D97-AF65-F5344CB8AC3E}">
-        <p14:creationId xmlns:p14="http://schemas.microsoft.com/office/powerpoint/2010/main" val="589507354"/>
+        <p14:creationId xmlns:p14="http://schemas.microsoft.com/office/powerpoint/2010/main" val="2944468820"/>
       </p:ext>
     </p:extLst>
   </p:cSld>
   <p:clrMapOvr>
     <a:masterClrMapping/>
   </p:clrMapOvr>
-  <p:timing>
-    <p:tnLst>
-      <p:par>
-        <p:cTn id="1" dur="indefinite" restart="never" nodeType="tmRoot"/>
-      </p:par>
-    </p:tnLst>
-  </p:timing>
 </p:sld>
 </file>
 

--- a/PPT JEE ANDROID.pptx
+++ b/PPT JEE ANDROID.pptx
@@ -10,11 +10,13 @@
     <p:sldId id="258" r:id="rId4"/>
     <p:sldId id="259" r:id="rId5"/>
     <p:sldId id="260" r:id="rId6"/>
-    <p:sldId id="261" r:id="rId7"/>
-    <p:sldId id="262" r:id="rId8"/>
-    <p:sldId id="263" r:id="rId9"/>
-    <p:sldId id="265" r:id="rId10"/>
-    <p:sldId id="264" r:id="rId11"/>
+    <p:sldId id="266" r:id="rId7"/>
+    <p:sldId id="261" r:id="rId8"/>
+    <p:sldId id="262" r:id="rId9"/>
+    <p:sldId id="263" r:id="rId10"/>
+    <p:sldId id="265" r:id="rId11"/>
+    <p:sldId id="264" r:id="rId12"/>
+    <p:sldId id="267" r:id="rId13"/>
   </p:sldIdLst>
   <p:sldSz cx="12192000" cy="6858000"/>
   <p:notesSz cx="6858000" cy="9144000"/>
@@ -309,7 +311,7 @@
           <a:p>
             <a:fld id="{670B5B5C-DB5A-49FB-818F-0D5F255488EC}" type="datetimeFigureOut">
               <a:rPr lang="fr-FR" smtClean="0"/>
-              <a:t>18/06/2015</a:t>
+              <a:t>19/06/2015</a:t>
             </a:fld>
             <a:endParaRPr lang="fr-FR"/>
           </a:p>
@@ -647,7 +649,7 @@
           <a:p>
             <a:fld id="{670B5B5C-DB5A-49FB-818F-0D5F255488EC}" type="datetimeFigureOut">
               <a:rPr lang="fr-FR" smtClean="0"/>
-              <a:t>18/06/2015</a:t>
+              <a:t>19/06/2015</a:t>
             </a:fld>
             <a:endParaRPr lang="fr-FR"/>
           </a:p>
@@ -1048,7 +1050,7 @@
           <a:p>
             <a:fld id="{670B5B5C-DB5A-49FB-818F-0D5F255488EC}" type="datetimeFigureOut">
               <a:rPr lang="fr-FR" smtClean="0"/>
-              <a:t>18/06/2015</a:t>
+              <a:t>19/06/2015</a:t>
             </a:fld>
             <a:endParaRPr lang="fr-FR"/>
           </a:p>
@@ -1384,7 +1386,7 @@
           <a:p>
             <a:fld id="{670B5B5C-DB5A-49FB-818F-0D5F255488EC}" type="datetimeFigureOut">
               <a:rPr lang="fr-FR" smtClean="0"/>
-              <a:t>18/06/2015</a:t>
+              <a:t>19/06/2015</a:t>
             </a:fld>
             <a:endParaRPr lang="fr-FR"/>
           </a:p>
@@ -1704,7 +1706,7 @@
           <a:p>
             <a:fld id="{670B5B5C-DB5A-49FB-818F-0D5F255488EC}" type="datetimeFigureOut">
               <a:rPr lang="fr-FR" smtClean="0"/>
-              <a:t>18/06/2015</a:t>
+              <a:t>19/06/2015</a:t>
             </a:fld>
             <a:endParaRPr lang="fr-FR"/>
           </a:p>
@@ -2100,7 +2102,7 @@
           <a:p>
             <a:fld id="{670B5B5C-DB5A-49FB-818F-0D5F255488EC}" type="datetimeFigureOut">
               <a:rPr lang="fr-FR" smtClean="0"/>
-              <a:t>18/06/2015</a:t>
+              <a:t>19/06/2015</a:t>
             </a:fld>
             <a:endParaRPr lang="fr-FR"/>
           </a:p>
@@ -2357,7 +2359,7 @@
           <a:p>
             <a:fld id="{670B5B5C-DB5A-49FB-818F-0D5F255488EC}" type="datetimeFigureOut">
               <a:rPr lang="fr-FR" smtClean="0"/>
-              <a:t>18/06/2015</a:t>
+              <a:t>19/06/2015</a:t>
             </a:fld>
             <a:endParaRPr lang="fr-FR"/>
           </a:p>
@@ -2619,7 +2621,7 @@
           <a:p>
             <a:fld id="{670B5B5C-DB5A-49FB-818F-0D5F255488EC}" type="datetimeFigureOut">
               <a:rPr lang="fr-FR" smtClean="0"/>
-              <a:t>18/06/2015</a:t>
+              <a:t>19/06/2015</a:t>
             </a:fld>
             <a:endParaRPr lang="fr-FR"/>
           </a:p>
@@ -2881,7 +2883,7 @@
           <a:p>
             <a:fld id="{670B5B5C-DB5A-49FB-818F-0D5F255488EC}" type="datetimeFigureOut">
               <a:rPr lang="fr-FR" smtClean="0"/>
-              <a:t>18/06/2015</a:t>
+              <a:t>19/06/2015</a:t>
             </a:fld>
             <a:endParaRPr lang="fr-FR"/>
           </a:p>
@@ -3210,7 +3212,7 @@
           <a:p>
             <a:fld id="{670B5B5C-DB5A-49FB-818F-0D5F255488EC}" type="datetimeFigureOut">
               <a:rPr lang="fr-FR" smtClean="0"/>
-              <a:t>18/06/2015</a:t>
+              <a:t>19/06/2015</a:t>
             </a:fld>
             <a:endParaRPr lang="fr-FR"/>
           </a:p>
@@ -3533,7 +3535,7 @@
           <a:p>
             <a:fld id="{670B5B5C-DB5A-49FB-818F-0D5F255488EC}" type="datetimeFigureOut">
               <a:rPr lang="fr-FR" smtClean="0"/>
-              <a:t>18/06/2015</a:t>
+              <a:t>19/06/2015</a:t>
             </a:fld>
             <a:endParaRPr lang="fr-FR"/>
           </a:p>
@@ -3990,7 +3992,7 @@
           <a:p>
             <a:fld id="{670B5B5C-DB5A-49FB-818F-0D5F255488EC}" type="datetimeFigureOut">
               <a:rPr lang="fr-FR" smtClean="0"/>
-              <a:t>18/06/2015</a:t>
+              <a:t>19/06/2015</a:t>
             </a:fld>
             <a:endParaRPr lang="fr-FR"/>
           </a:p>
@@ -4195,7 +4197,7 @@
           <a:p>
             <a:fld id="{670B5B5C-DB5A-49FB-818F-0D5F255488EC}" type="datetimeFigureOut">
               <a:rPr lang="fr-FR" smtClean="0"/>
-              <a:t>18/06/2015</a:t>
+              <a:t>19/06/2015</a:t>
             </a:fld>
             <a:endParaRPr lang="fr-FR"/>
           </a:p>
@@ -4372,7 +4374,7 @@
           <a:p>
             <a:fld id="{670B5B5C-DB5A-49FB-818F-0D5F255488EC}" type="datetimeFigureOut">
               <a:rPr lang="fr-FR" smtClean="0"/>
-              <a:t>18/06/2015</a:t>
+              <a:t>19/06/2015</a:t>
             </a:fld>
             <a:endParaRPr lang="fr-FR"/>
           </a:p>
@@ -4705,7 +4707,7 @@
           <a:p>
             <a:fld id="{670B5B5C-DB5A-49FB-818F-0D5F255488EC}" type="datetimeFigureOut">
               <a:rPr lang="fr-FR" smtClean="0"/>
-              <a:t>18/06/2015</a:t>
+              <a:t>19/06/2015</a:t>
             </a:fld>
             <a:endParaRPr lang="fr-FR"/>
           </a:p>
@@ -5050,7 +5052,7 @@
           <a:p>
             <a:fld id="{670B5B5C-DB5A-49FB-818F-0D5F255488EC}" type="datetimeFigureOut">
               <a:rPr lang="fr-FR" smtClean="0"/>
-              <a:t>18/06/2015</a:t>
+              <a:t>19/06/2015</a:t>
             </a:fld>
             <a:endParaRPr lang="fr-FR"/>
           </a:p>
@@ -7167,7 +7169,7 @@
           <a:p>
             <a:fld id="{670B5B5C-DB5A-49FB-818F-0D5F255488EC}" type="datetimeFigureOut">
               <a:rPr lang="fr-FR" smtClean="0"/>
-              <a:t>18/06/2015</a:t>
+              <a:t>19/06/2015</a:t>
             </a:fld>
             <a:endParaRPr lang="fr-FR"/>
           </a:p>
@@ -8039,6 +8041,131 @@
           <a:p>
             <a:r>
               <a:rPr lang="fr-FR" dirty="0" smtClean="0"/>
+              <a:t>Perspectives d’évolution</a:t>
+            </a:r>
+            <a:endParaRPr lang="fr-FR" dirty="0"/>
+          </a:p>
+        </p:txBody>
+      </p:sp>
+      <p:sp>
+        <p:nvSpPr>
+          <p:cNvPr id="3" name="Espace réservé du contenu 2"/>
+          <p:cNvSpPr>
+            <a:spLocks noGrp="1"/>
+          </p:cNvSpPr>
+          <p:nvPr>
+            <p:ph idx="1"/>
+          </p:nvPr>
+        </p:nvSpPr>
+        <p:spPr/>
+        <p:txBody>
+          <a:bodyPr>
+            <a:normAutofit lnSpcReduction="10000"/>
+          </a:bodyPr>
+          <a:lstStyle/>
+          <a:p>
+            <a:r>
+              <a:rPr lang="fr-FR" dirty="0" smtClean="0"/>
+              <a:t>Calculer le meilleur planning en temps réel avec le GPS</a:t>
+            </a:r>
+          </a:p>
+          <a:p>
+            <a:endParaRPr lang="fr-FR" dirty="0" smtClean="0"/>
+          </a:p>
+          <a:p>
+            <a:r>
+              <a:rPr lang="fr-FR" dirty="0"/>
+              <a:t>Meilleure performance de </a:t>
+            </a:r>
+            <a:r>
+              <a:rPr lang="fr-FR" dirty="0" smtClean="0"/>
+              <a:t>l’application</a:t>
+            </a:r>
+          </a:p>
+          <a:p>
+            <a:endParaRPr lang="fr-FR" dirty="0"/>
+          </a:p>
+          <a:p>
+            <a:r>
+              <a:rPr lang="fr-FR" dirty="0" smtClean="0"/>
+              <a:t>Améliorer la création de planning en affichant la durée des spectacles et en rejetant les incohérences au niveau des horaires</a:t>
+            </a:r>
+          </a:p>
+          <a:p>
+            <a:endParaRPr lang="fr-FR" dirty="0" smtClean="0"/>
+          </a:p>
+          <a:p>
+            <a:r>
+              <a:rPr lang="fr-FR" dirty="0" smtClean="0"/>
+              <a:t>Gérer plus d’erreurs et réaliser plus de tests</a:t>
+            </a:r>
+          </a:p>
+          <a:p>
+            <a:endParaRPr lang="fr-FR" dirty="0" smtClean="0"/>
+          </a:p>
+          <a:p>
+            <a:r>
+              <a:rPr lang="fr-FR" dirty="0" smtClean="0"/>
+              <a:t>Le plan pourrait être réalisé sous forme interactive</a:t>
+            </a:r>
+            <a:endParaRPr lang="fr-FR" dirty="0"/>
+          </a:p>
+        </p:txBody>
+      </p:sp>
+    </p:spTree>
+    <p:extLst>
+      <p:ext uri="{BB962C8B-B14F-4D97-AF65-F5344CB8AC3E}">
+        <p14:creationId xmlns:p14="http://schemas.microsoft.com/office/powerpoint/2010/main" val="2944468820"/>
+      </p:ext>
+    </p:extLst>
+  </p:cSld>
+  <p:clrMapOvr>
+    <a:masterClrMapping/>
+  </p:clrMapOvr>
+  <p:timing>
+    <p:tnLst>
+      <p:par>
+        <p:cTn id="1" dur="indefinite" restart="never" nodeType="tmRoot"/>
+      </p:par>
+    </p:tnLst>
+  </p:timing>
+</p:sld>
+</file>
+
+<file path=ppt/slides/slide11.xml><?xml version="1.0" encoding="utf-8"?>
+<p:sld xmlns:a="http://schemas.openxmlformats.org/drawingml/2006/main" xmlns:r="http://schemas.openxmlformats.org/officeDocument/2006/relationships" xmlns:p="http://schemas.openxmlformats.org/presentationml/2006/main">
+  <p:cSld>
+    <p:spTree>
+      <p:nvGrpSpPr>
+        <p:cNvPr id="1" name=""/>
+        <p:cNvGrpSpPr/>
+        <p:nvPr/>
+      </p:nvGrpSpPr>
+      <p:grpSpPr>
+        <a:xfrm>
+          <a:off x="0" y="0"/>
+          <a:ext cx="0" cy="0"/>
+          <a:chOff x="0" y="0"/>
+          <a:chExt cx="0" cy="0"/>
+        </a:xfrm>
+      </p:grpSpPr>
+      <p:sp>
+        <p:nvSpPr>
+          <p:cNvPr id="2" name="Titre 1"/>
+          <p:cNvSpPr>
+            <a:spLocks noGrp="1"/>
+          </p:cNvSpPr>
+          <p:nvPr>
+            <p:ph type="title"/>
+          </p:nvPr>
+        </p:nvSpPr>
+        <p:spPr/>
+        <p:txBody>
+          <a:bodyPr/>
+          <a:lstStyle/>
+          <a:p>
+            <a:r>
+              <a:rPr lang="fr-FR" dirty="0" smtClean="0"/>
               <a:t>Conclusion</a:t>
             </a:r>
             <a:endParaRPr lang="fr-FR" dirty="0"/>
@@ -8084,8 +8211,25 @@
           <a:p>
             <a:r>
               <a:rPr lang="fr-FR" dirty="0" smtClean="0"/>
-              <a:t>Travail en équipe</a:t>
-            </a:r>
+              <a:t>Travail en </a:t>
+            </a:r>
+            <a:r>
+              <a:rPr lang="fr-FR" dirty="0" smtClean="0"/>
+              <a:t>équipe sur un projet concret</a:t>
+            </a:r>
+          </a:p>
+          <a:p>
+            <a:endParaRPr lang="fr-FR" dirty="0"/>
+          </a:p>
+          <a:p>
+            <a:r>
+              <a:rPr lang="fr-FR" dirty="0" smtClean="0"/>
+              <a:t>La majorité des fonctionnalités ont été développées</a:t>
+            </a:r>
+            <a:endParaRPr lang="fr-FR" dirty="0" smtClean="0"/>
+          </a:p>
+          <a:p>
+            <a:endParaRPr lang="fr-FR" dirty="0" smtClean="0"/>
           </a:p>
           <a:p>
             <a:endParaRPr lang="fr-FR" dirty="0"/>
@@ -8115,6 +8259,78 @@
 </p:sld>
 </file>
 
+<file path=ppt/slides/slide12.xml><?xml version="1.0" encoding="utf-8"?>
+<p:sld xmlns:a="http://schemas.openxmlformats.org/drawingml/2006/main" xmlns:r="http://schemas.openxmlformats.org/officeDocument/2006/relationships" xmlns:p="http://schemas.openxmlformats.org/presentationml/2006/main">
+  <p:cSld>
+    <p:spTree>
+      <p:nvGrpSpPr>
+        <p:cNvPr id="1" name=""/>
+        <p:cNvGrpSpPr/>
+        <p:nvPr/>
+      </p:nvGrpSpPr>
+      <p:grpSpPr>
+        <a:xfrm>
+          <a:off x="0" y="0"/>
+          <a:ext cx="0" cy="0"/>
+          <a:chOff x="0" y="0"/>
+          <a:chExt cx="0" cy="0"/>
+        </a:xfrm>
+      </p:grpSpPr>
+      <p:sp>
+        <p:nvSpPr>
+          <p:cNvPr id="2" name="Titre 1"/>
+          <p:cNvSpPr>
+            <a:spLocks noGrp="1"/>
+          </p:cNvSpPr>
+          <p:nvPr>
+            <p:ph type="title"/>
+          </p:nvPr>
+        </p:nvSpPr>
+        <p:spPr/>
+        <p:txBody>
+          <a:bodyPr/>
+          <a:lstStyle/>
+          <a:p>
+            <a:r>
+              <a:rPr lang="fr-FR" dirty="0" smtClean="0"/>
+              <a:t>Questions ?</a:t>
+            </a:r>
+            <a:endParaRPr lang="fr-FR" dirty="0"/>
+          </a:p>
+        </p:txBody>
+      </p:sp>
+      <p:sp>
+        <p:nvSpPr>
+          <p:cNvPr id="3" name="Espace réservé du contenu 2"/>
+          <p:cNvSpPr>
+            <a:spLocks noGrp="1"/>
+          </p:cNvSpPr>
+          <p:nvPr>
+            <p:ph idx="1"/>
+          </p:nvPr>
+        </p:nvSpPr>
+        <p:spPr/>
+        <p:txBody>
+          <a:bodyPr/>
+          <a:lstStyle/>
+          <a:p>
+            <a:endParaRPr lang="fr-FR"/>
+          </a:p>
+        </p:txBody>
+      </p:sp>
+    </p:spTree>
+    <p:extLst>
+      <p:ext uri="{BB962C8B-B14F-4D97-AF65-F5344CB8AC3E}">
+        <p14:creationId xmlns:p14="http://schemas.microsoft.com/office/powerpoint/2010/main" val="1768157469"/>
+      </p:ext>
+    </p:extLst>
+  </p:cSld>
+  <p:clrMapOvr>
+    <a:masterClrMapping/>
+  </p:clrMapOvr>
+</p:sld>
+</file>
+
 <file path=ppt/slides/slide2.xml><?xml version="1.0" encoding="utf-8"?>
 <p:sld xmlns:a="http://schemas.openxmlformats.org/drawingml/2006/main" xmlns:r="http://schemas.openxmlformats.org/officeDocument/2006/relationships" xmlns:p="http://schemas.openxmlformats.org/presentationml/2006/main">
   <p:cSld>
@@ -8172,33 +8388,18 @@
           </a:xfrm>
         </p:spPr>
         <p:txBody>
-          <a:bodyPr/>
+          <a:bodyPr>
+            <a:normAutofit/>
+          </a:bodyPr>
           <a:lstStyle/>
           <a:p>
             <a:r>
               <a:rPr lang="fr-FR" dirty="0" smtClean="0"/>
-              <a:t>Rodolphe Fauquez</a:t>
-            </a:r>
-          </a:p>
-          <a:p>
-            <a:pPr marL="0" indent="0">
-              <a:buNone/>
-            </a:pPr>
-            <a:r>
-              <a:rPr lang="fr-FR" dirty="0" smtClean="0">
-                <a:solidFill>
-                  <a:schemeClr val="bg1">
-                    <a:lumMod val="50000"/>
-                  </a:schemeClr>
-                </a:solidFill>
-              </a:rPr>
-              <a:t>		Chef de projet, développeur Androïd</a:t>
-            </a:r>
-          </a:p>
-          <a:p>
+              <a:t>Antoine </a:t>
+            </a:r>
             <a:r>
               <a:rPr lang="fr-FR" dirty="0" smtClean="0"/>
-              <a:t>Valentin Delplanque</a:t>
+              <a:t>Blondel</a:t>
             </a:r>
           </a:p>
           <a:p>
@@ -8223,42 +8424,6 @@
                   </a:schemeClr>
                 </a:solidFill>
               </a:rPr>
-              <a:t>Développeur Androïd</a:t>
-            </a:r>
-            <a:endParaRPr lang="fr-FR" dirty="0" smtClean="0"/>
-          </a:p>
-          <a:p>
-            <a:r>
-              <a:rPr lang="fr-FR" dirty="0"/>
-              <a:t>Antoine </a:t>
-            </a:r>
-            <a:r>
-              <a:rPr lang="fr-FR" dirty="0" smtClean="0"/>
-              <a:t>Blondel</a:t>
-            </a:r>
-          </a:p>
-          <a:p>
-            <a:pPr marL="0" indent="0">
-              <a:buNone/>
-            </a:pPr>
-            <a:r>
-              <a:rPr lang="fr-FR" dirty="0">
-                <a:solidFill>
-                  <a:schemeClr val="bg1">
-                    <a:lumMod val="50000"/>
-                  </a:schemeClr>
-                </a:solidFill>
-              </a:rPr>
-              <a:t>		</a:t>
-            </a:r>
-            <a:r>
-              <a:rPr lang="fr-FR" dirty="0" smtClean="0">
-                <a:solidFill>
-                  <a:schemeClr val="bg1">
-                    <a:lumMod val="50000"/>
-                  </a:schemeClr>
-                </a:solidFill>
-              </a:rPr>
               <a:t>Développeur JAVA EE</a:t>
             </a:r>
             <a:endParaRPr lang="fr-FR" dirty="0" smtClean="0"/>
@@ -8284,6 +8449,91 @@
               <a:t>		Développeur JAVA EE</a:t>
             </a:r>
             <a:endParaRPr lang="fr-FR" dirty="0"/>
+          </a:p>
+          <a:p>
+            <a:r>
+              <a:rPr lang="fr-FR" dirty="0" smtClean="0"/>
+              <a:t>Valentin </a:t>
+            </a:r>
+            <a:r>
+              <a:rPr lang="fr-FR" dirty="0"/>
+              <a:t>Delplanque</a:t>
+            </a:r>
+          </a:p>
+          <a:p>
+            <a:pPr marL="0" indent="0">
+              <a:buNone/>
+            </a:pPr>
+            <a:r>
+              <a:rPr lang="fr-FR" dirty="0">
+                <a:solidFill>
+                  <a:schemeClr val="bg1">
+                    <a:lumMod val="50000"/>
+                  </a:schemeClr>
+                </a:solidFill>
+              </a:rPr>
+              <a:t>		Développeur </a:t>
+            </a:r>
+            <a:r>
+              <a:rPr lang="fr-FR" dirty="0" err="1" smtClean="0">
+                <a:solidFill>
+                  <a:schemeClr val="bg1">
+                    <a:lumMod val="50000"/>
+                  </a:schemeClr>
+                </a:solidFill>
+              </a:rPr>
+              <a:t>Androïd</a:t>
+            </a:r>
+            <a:endParaRPr lang="fr-FR" dirty="0" smtClean="0">
+              <a:solidFill>
+                <a:schemeClr val="bg1">
+                  <a:lumMod val="50000"/>
+                </a:schemeClr>
+              </a:solidFill>
+            </a:endParaRPr>
+          </a:p>
+          <a:p>
+            <a:r>
+              <a:rPr lang="fr-FR" dirty="0"/>
+              <a:t>Rodolphe </a:t>
+            </a:r>
+            <a:r>
+              <a:rPr lang="fr-FR" dirty="0" err="1"/>
+              <a:t>Fauquez</a:t>
+            </a:r>
+            <a:endParaRPr lang="fr-FR" dirty="0"/>
+          </a:p>
+          <a:p>
+            <a:pPr marL="0" indent="0">
+              <a:buNone/>
+            </a:pPr>
+            <a:r>
+              <a:rPr lang="fr-FR" dirty="0">
+                <a:solidFill>
+                  <a:schemeClr val="bg1">
+                    <a:lumMod val="50000"/>
+                  </a:schemeClr>
+                </a:solidFill>
+              </a:rPr>
+              <a:t>		Chef de projet, développeur </a:t>
+            </a:r>
+            <a:r>
+              <a:rPr lang="fr-FR" dirty="0" err="1">
+                <a:solidFill>
+                  <a:schemeClr val="bg1">
+                    <a:lumMod val="50000"/>
+                  </a:schemeClr>
+                </a:solidFill>
+              </a:rPr>
+              <a:t>Androïd</a:t>
+            </a:r>
+            <a:endParaRPr lang="fr-FR" dirty="0">
+              <a:solidFill>
+                <a:schemeClr val="bg1">
+                  <a:lumMod val="50000"/>
+                </a:schemeClr>
+              </a:solidFill>
+            </a:endParaRPr>
           </a:p>
           <a:p>
             <a:pPr marL="0" indent="0">
@@ -8316,7 +8566,7 @@
         </p:blipFill>
         <p:spPr bwMode="auto">
           <a:xfrm>
-            <a:off x="6936385" y="3429989"/>
+            <a:off x="7075487" y="523874"/>
             <a:ext cx="4429125" cy="2762251"/>
           </a:xfrm>
           <a:prstGeom prst="rect">
@@ -8425,7 +8675,11 @@
             </a:pPr>
             <a:r>
               <a:rPr lang="fr-FR" dirty="0" smtClean="0"/>
-              <a:t>Contraintes du projet</a:t>
+              <a:t>Contraintes du </a:t>
+            </a:r>
+            <a:r>
+              <a:rPr lang="fr-FR" dirty="0" smtClean="0"/>
+              <a:t>projet</a:t>
             </a:r>
           </a:p>
           <a:p>
@@ -8435,8 +8689,9 @@
             </a:pPr>
             <a:r>
               <a:rPr lang="fr-FR" dirty="0" smtClean="0"/>
-              <a:t>Architecture</a:t>
-            </a:r>
+              <a:t>Répartition des tâches</a:t>
+            </a:r>
+            <a:endParaRPr lang="fr-FR" dirty="0" smtClean="0"/>
           </a:p>
           <a:p>
             <a:pPr>
@@ -8445,7 +8700,7 @@
             </a:pPr>
             <a:r>
               <a:rPr lang="fr-FR" dirty="0" smtClean="0"/>
-              <a:t>Organisation</a:t>
+              <a:t>Architecture</a:t>
             </a:r>
           </a:p>
           <a:p>
@@ -8455,7 +8710,7 @@
             </a:pPr>
             <a:r>
               <a:rPr lang="fr-FR" dirty="0" smtClean="0"/>
-              <a:t>Démonstration</a:t>
+              <a:t>Organisation</a:t>
             </a:r>
           </a:p>
           <a:p>
@@ -8465,9 +8720,18 @@
             </a:pPr>
             <a:r>
               <a:rPr lang="fr-FR" dirty="0" smtClean="0"/>
+              <a:t>Démonstration</a:t>
+            </a:r>
+          </a:p>
+          <a:p>
+            <a:pPr>
+              <a:buFont typeface="Wingdings" panose="05000000000000000000" pitchFamily="2" charset="2"/>
+              <a:buChar char="Ø"/>
+            </a:pPr>
+            <a:r>
+              <a:rPr lang="fr-FR" dirty="0" smtClean="0"/>
               <a:t>Perspectives d’évolution</a:t>
             </a:r>
-            <a:endParaRPr lang="fr-FR" dirty="0" smtClean="0"/>
           </a:p>
           <a:p>
             <a:pPr>
@@ -8560,14 +8824,22 @@
         </p:spPr>
         <p:txBody>
           <a:bodyPr>
-            <a:normAutofit fontScale="92500" lnSpcReduction="10000"/>
+            <a:normAutofit/>
           </a:bodyPr>
           <a:lstStyle/>
           <a:p>
             <a:r>
               <a:rPr lang="fr-FR" sz="1700" dirty="0" smtClean="0"/>
-              <a:t>Le PuyDuFou</a:t>
-            </a:r>
+              <a:t>Le </a:t>
+            </a:r>
+            <a:r>
+              <a:rPr lang="fr-FR" sz="1700" dirty="0" err="1" smtClean="0"/>
+              <a:t>PuyDuFou</a:t>
+            </a:r>
+            <a:endParaRPr lang="fr-FR" sz="1700" dirty="0" smtClean="0"/>
+          </a:p>
+          <a:p>
+            <a:endParaRPr lang="fr-FR" sz="1700" dirty="0" smtClean="0"/>
           </a:p>
           <a:p>
             <a:pPr marL="0" indent="0">
@@ -8575,15 +8847,31 @@
             </a:pPr>
             <a:r>
               <a:rPr lang="fr-FR" sz="1400" dirty="0" smtClean="0"/>
-              <a:t>Le puy du fou est un parc historique qui souhaite développer une application Androïd pour ses visiteurs.</a:t>
-            </a:r>
+              <a:t>Le puy du fou est un parc historique qui souhaite développer une application Androïd pour ses visiteurs</a:t>
+            </a:r>
+            <a:r>
+              <a:rPr lang="fr-FR" sz="1400" dirty="0" smtClean="0"/>
+              <a:t>.</a:t>
+            </a:r>
+          </a:p>
+          <a:p>
+            <a:pPr marL="0" indent="0">
+              <a:buNone/>
+            </a:pPr>
             <a:endParaRPr lang="fr-FR" sz="1400" dirty="0" smtClean="0"/>
           </a:p>
           <a:p>
             <a:r>
               <a:rPr lang="fr-FR" sz="1700" dirty="0" smtClean="0"/>
-              <a:t>Fonctionnalités demandées</a:t>
-            </a:r>
+              <a:t>Fonctionnalités </a:t>
+            </a:r>
+            <a:r>
+              <a:rPr lang="fr-FR" sz="1700" dirty="0" smtClean="0"/>
+              <a:t>demandées</a:t>
+            </a:r>
+          </a:p>
+          <a:p>
+            <a:endParaRPr lang="fr-FR" sz="1700" dirty="0" smtClean="0"/>
           </a:p>
           <a:p>
             <a:pPr>
@@ -8591,13 +8879,10 @@
               <a:buChar char="•"/>
             </a:pPr>
             <a:r>
-              <a:rPr lang="fr-FR" sz="1400" dirty="0"/>
-              <a:t>Les utilisateurs doivent pouvoir afficher un écran qui donne tous les spectacles à venir</a:t>
-            </a:r>
-            <a:r>
               <a:rPr lang="fr-FR" sz="1400" dirty="0" smtClean="0"/>
-              <a:t>.</a:t>
-            </a:r>
+              <a:t>Gestion des spectacles (spectacles à venir et informations détaillées, noter un spectacle, donner des informations historiques)</a:t>
+            </a:r>
+            <a:endParaRPr lang="fr-FR" sz="1400" dirty="0" smtClean="0"/>
           </a:p>
           <a:p>
             <a:pPr>
@@ -8605,9 +8890,10 @@
               <a:buChar char="•"/>
             </a:pPr>
             <a:r>
-              <a:rPr lang="fr-FR" sz="1400" dirty="0"/>
-              <a:t>Un visiteur doit pouvoir créer son programme de la journée selon ses envies, le smartphone lui indiquera alors où il doit aller au fur et à mesure de la journée. 	</a:t>
-            </a:r>
+              <a:rPr lang="fr-FR" sz="1400" dirty="0" smtClean="0"/>
+              <a:t>Gestion du planning (planning personnalisé, planning automatique)</a:t>
+            </a:r>
+            <a:endParaRPr lang="fr-FR" sz="1400" dirty="0"/>
           </a:p>
           <a:p>
             <a:pPr>
@@ -8615,12 +8901,8 @@
               <a:buChar char="•"/>
             </a:pPr>
             <a:r>
-              <a:rPr lang="fr-FR" sz="1400" dirty="0"/>
-              <a:t>	Le smartphone doit calculer automatiquement le meilleur planning du jour en maximisant le rapport temps/durée des spectacles, tout en prenant en compte les temps de déplacement, de repas et de pauses</a:t>
-            </a:r>
-            <a:r>
               <a:rPr lang="fr-FR" sz="1400" dirty="0" smtClean="0"/>
-              <a:t>.</a:t>
+              <a:t>Informations sur les restaurants et boutiques</a:t>
             </a:r>
           </a:p>
           <a:p>
@@ -8630,48 +8912,13 @@
             </a:pPr>
             <a:r>
               <a:rPr lang="fr-FR" sz="1400" dirty="0"/>
-              <a:t>Affichage des informations relatives à un spectacle, durée, horaires, date création, nombre d’acteur, évènement historique lié, etc. 	</a:t>
-            </a:r>
-          </a:p>
-          <a:p>
-            <a:pPr>
-              <a:buFont typeface="Arial" panose="020B0604020202020204" pitchFamily="34" charset="0"/>
-              <a:buChar char="•"/>
-            </a:pPr>
-            <a:r>
-              <a:rPr lang="fr-FR" sz="1400" dirty="0"/>
-              <a:t>Possibilités de noter un spectacle, la moyenne de toutes les notes individuelles du spectacle sera affichée après le vote. 	</a:t>
-            </a:r>
-          </a:p>
-          <a:p>
-            <a:pPr>
-              <a:buFont typeface="Arial" panose="020B0604020202020204" pitchFamily="34" charset="0"/>
-              <a:buChar char="•"/>
-            </a:pPr>
+              <a:t>Connexion aux réseaux </a:t>
+            </a:r>
             <a:r>
               <a:rPr lang="fr-FR" sz="1400" dirty="0" smtClean="0"/>
-              <a:t>Informations sur les restaurants et boutiques</a:t>
-            </a:r>
-          </a:p>
-          <a:p>
-            <a:pPr>
-              <a:buFont typeface="Arial" panose="020B0604020202020204" pitchFamily="34" charset="0"/>
-              <a:buChar char="•"/>
-            </a:pPr>
-            <a:r>
-              <a:rPr lang="fr-FR" sz="1400" dirty="0"/>
-              <a:t>Connexion aux réseaux sociaux, envoi de statuts, commentaires, tweet, mais aussi de photos contextualisées avec un décor ajouté en filtre sur la photo. 	</a:t>
-            </a:r>
-          </a:p>
-          <a:p>
-            <a:pPr>
-              <a:buFont typeface="Arial" panose="020B0604020202020204" pitchFamily="34" charset="0"/>
-              <a:buChar char="•"/>
-            </a:pPr>
-            <a:r>
-              <a:rPr lang="fr-FR" sz="1400" dirty="0"/>
-              <a:t>Le Smartphone donne des informations historiques en rapport avec le spectacle à venir, mais aussi pour ce spectacle, des anecdotes ou des chiffres relatifs au parc. (les informations peuvent être données sous forme de questions – optionnel) 	</a:t>
-            </a:r>
+              <a:t>sociaux (statuts, photo, commentaire)</a:t>
+            </a:r>
+            <a:endParaRPr lang="fr-FR" sz="1400" dirty="0"/>
           </a:p>
           <a:p>
             <a:pPr>
@@ -8819,6 +9066,139 @@
 </file>
 
 <file path=ppt/slides/slide6.xml><?xml version="1.0" encoding="utf-8"?>
+<p:sld xmlns:a="http://schemas.openxmlformats.org/drawingml/2006/main" xmlns:r="http://schemas.openxmlformats.org/officeDocument/2006/relationships" xmlns:p="http://schemas.openxmlformats.org/presentationml/2006/main">
+  <p:cSld>
+    <p:spTree>
+      <p:nvGrpSpPr>
+        <p:cNvPr id="1" name=""/>
+        <p:cNvGrpSpPr/>
+        <p:nvPr/>
+      </p:nvGrpSpPr>
+      <p:grpSpPr>
+        <a:xfrm>
+          <a:off x="0" y="0"/>
+          <a:ext cx="0" cy="0"/>
+          <a:chOff x="0" y="0"/>
+          <a:chExt cx="0" cy="0"/>
+        </a:xfrm>
+      </p:grpSpPr>
+      <p:sp>
+        <p:nvSpPr>
+          <p:cNvPr id="2" name="Titre 1"/>
+          <p:cNvSpPr>
+            <a:spLocks noGrp="1"/>
+          </p:cNvSpPr>
+          <p:nvPr>
+            <p:ph type="title"/>
+          </p:nvPr>
+        </p:nvSpPr>
+        <p:spPr/>
+        <p:txBody>
+          <a:bodyPr/>
+          <a:lstStyle/>
+          <a:p>
+            <a:r>
+              <a:rPr lang="fr-FR" dirty="0" smtClean="0"/>
+              <a:t>Répartition des tâches</a:t>
+            </a:r>
+            <a:endParaRPr lang="fr-FR" dirty="0"/>
+          </a:p>
+        </p:txBody>
+      </p:sp>
+      <p:sp>
+        <p:nvSpPr>
+          <p:cNvPr id="3" name="Espace réservé du contenu 2"/>
+          <p:cNvSpPr>
+            <a:spLocks noGrp="1"/>
+          </p:cNvSpPr>
+          <p:nvPr>
+            <p:ph idx="1"/>
+          </p:nvPr>
+        </p:nvSpPr>
+        <p:spPr/>
+        <p:txBody>
+          <a:bodyPr>
+            <a:normAutofit lnSpcReduction="10000"/>
+          </a:bodyPr>
+          <a:lstStyle/>
+          <a:p>
+            <a:r>
+              <a:rPr lang="fr-FR" dirty="0" err="1" smtClean="0"/>
+              <a:t>Loic</a:t>
+            </a:r>
+            <a:r>
+              <a:rPr lang="fr-FR" dirty="0" smtClean="0"/>
+              <a:t>: - Création de la BDD, jeu d’essai, création des différentes méthodes exposées par  le </a:t>
+            </a:r>
+            <a:r>
+              <a:rPr lang="fr-FR" dirty="0" err="1" smtClean="0"/>
+              <a:t>webservice</a:t>
+            </a:r>
+            <a:endParaRPr lang="fr-FR" dirty="0" smtClean="0"/>
+          </a:p>
+          <a:p>
+            <a:endParaRPr lang="fr-FR" dirty="0"/>
+          </a:p>
+          <a:p>
+            <a:r>
+              <a:rPr lang="fr-FR" dirty="0" smtClean="0"/>
+              <a:t>Antoine: - Architecture J2EE, création des différentes méthodes exposées par le </a:t>
+            </a:r>
+            <a:r>
+              <a:rPr lang="fr-FR" dirty="0" err="1" smtClean="0"/>
+              <a:t>webservice</a:t>
+            </a:r>
+            <a:r>
+              <a:rPr lang="fr-FR" dirty="0" smtClean="0"/>
+              <a:t>, tests unitaires</a:t>
+            </a:r>
+          </a:p>
+          <a:p>
+            <a:endParaRPr lang="fr-FR" dirty="0"/>
+          </a:p>
+          <a:p>
+            <a:r>
+              <a:rPr lang="fr-FR" dirty="0" smtClean="0"/>
+              <a:t>Valentin: Communication client/serveur KSoap2, gestion des plannings, base de données </a:t>
+            </a:r>
+            <a:r>
+              <a:rPr lang="fr-FR" dirty="0" err="1" smtClean="0"/>
+              <a:t>SQLite</a:t>
+            </a:r>
+            <a:endParaRPr lang="fr-FR" dirty="0" smtClean="0"/>
+          </a:p>
+          <a:p>
+            <a:endParaRPr lang="fr-FR" dirty="0"/>
+          </a:p>
+          <a:p>
+            <a:r>
+              <a:rPr lang="fr-FR" dirty="0" smtClean="0"/>
+              <a:t>Rodolphe: Gestion du projet, partage réseaux sociaux, plan du parc, adaptation boutiques et restaurants</a:t>
+            </a:r>
+          </a:p>
+        </p:txBody>
+      </p:sp>
+    </p:spTree>
+    <p:extLst>
+      <p:ext uri="{BB962C8B-B14F-4D97-AF65-F5344CB8AC3E}">
+        <p14:creationId xmlns:p14="http://schemas.microsoft.com/office/powerpoint/2010/main" val="880703628"/>
+      </p:ext>
+    </p:extLst>
+  </p:cSld>
+  <p:clrMapOvr>
+    <a:masterClrMapping/>
+  </p:clrMapOvr>
+  <p:timing>
+    <p:tnLst>
+      <p:par>
+        <p:cTn id="1" dur="indefinite" restart="never" nodeType="tmRoot"/>
+      </p:par>
+    </p:tnLst>
+  </p:timing>
+</p:sld>
+</file>
+
+<file path=ppt/slides/slide7.xml><?xml version="1.0" encoding="utf-8"?>
 <p:sld xmlns:a="http://schemas.openxmlformats.org/drawingml/2006/main" xmlns:r="http://schemas.openxmlformats.org/officeDocument/2006/relationships" xmlns:p="http://schemas.openxmlformats.org/presentationml/2006/main">
   <p:cSld>
     <p:spTree>
@@ -8907,88 +9287,6 @@
 </p:sld>
 </file>
 
-<file path=ppt/slides/slide7.xml><?xml version="1.0" encoding="utf-8"?>
-<p:sld xmlns:a="http://schemas.openxmlformats.org/drawingml/2006/main" xmlns:r="http://schemas.openxmlformats.org/officeDocument/2006/relationships" xmlns:p="http://schemas.openxmlformats.org/presentationml/2006/main">
-  <p:cSld>
-    <p:spTree>
-      <p:nvGrpSpPr>
-        <p:cNvPr id="1" name=""/>
-        <p:cNvGrpSpPr/>
-        <p:nvPr/>
-      </p:nvGrpSpPr>
-      <p:grpSpPr>
-        <a:xfrm>
-          <a:off x="0" y="0"/>
-          <a:ext cx="0" cy="0"/>
-          <a:chOff x="0" y="0"/>
-          <a:chExt cx="0" cy="0"/>
-        </a:xfrm>
-      </p:grpSpPr>
-      <p:sp>
-        <p:nvSpPr>
-          <p:cNvPr id="2" name="Titre 1"/>
-          <p:cNvSpPr>
-            <a:spLocks noGrp="1"/>
-          </p:cNvSpPr>
-          <p:nvPr>
-            <p:ph type="title"/>
-          </p:nvPr>
-        </p:nvSpPr>
-        <p:spPr/>
-        <p:txBody>
-          <a:bodyPr/>
-          <a:lstStyle/>
-          <a:p>
-            <a:r>
-              <a:rPr lang="fr-FR" dirty="0" smtClean="0"/>
-              <a:t>Organisation</a:t>
-            </a:r>
-            <a:endParaRPr lang="fr-FR" dirty="0"/>
-          </a:p>
-        </p:txBody>
-      </p:sp>
-      <p:sp>
-        <p:nvSpPr>
-          <p:cNvPr id="3" name="Espace réservé du contenu 2"/>
-          <p:cNvSpPr>
-            <a:spLocks noGrp="1"/>
-          </p:cNvSpPr>
-          <p:nvPr>
-            <p:ph idx="1"/>
-          </p:nvPr>
-        </p:nvSpPr>
-        <p:spPr/>
-        <p:txBody>
-          <a:bodyPr/>
-          <a:lstStyle/>
-          <a:p>
-            <a:pPr marL="0" indent="0">
-              <a:buNone/>
-            </a:pPr>
-            <a:endParaRPr lang="fr-FR" dirty="0"/>
-          </a:p>
-        </p:txBody>
-      </p:sp>
-    </p:spTree>
-    <p:extLst>
-      <p:ext uri="{BB962C8B-B14F-4D97-AF65-F5344CB8AC3E}">
-        <p14:creationId xmlns:p14="http://schemas.microsoft.com/office/powerpoint/2010/main" val="3354287598"/>
-      </p:ext>
-    </p:extLst>
-  </p:cSld>
-  <p:clrMapOvr>
-    <a:masterClrMapping/>
-  </p:clrMapOvr>
-  <p:timing>
-    <p:tnLst>
-      <p:par>
-        <p:cTn id="1" dur="indefinite" restart="never" nodeType="tmRoot"/>
-      </p:par>
-    </p:tnLst>
-  </p:timing>
-</p:sld>
-</file>
-
 <file path=ppt/slides/slide8.xml><?xml version="1.0" encoding="utf-8"?>
 <p:sld xmlns:a="http://schemas.openxmlformats.org/drawingml/2006/main" xmlns:r="http://schemas.openxmlformats.org/officeDocument/2006/relationships" xmlns:p="http://schemas.openxmlformats.org/presentationml/2006/main">
   <p:cSld>
@@ -9023,54 +9321,75 @@
           <a:p>
             <a:r>
               <a:rPr lang="fr-FR" dirty="0" smtClean="0"/>
-              <a:t>Démonstration</a:t>
+              <a:t>Organisation</a:t>
             </a:r>
             <a:endParaRPr lang="fr-FR" dirty="0"/>
           </a:p>
         </p:txBody>
       </p:sp>
-      <p:sp>
-        <p:nvSpPr>
-          <p:cNvPr id="3" name="Espace réservé du contenu 2"/>
-          <p:cNvSpPr>
-            <a:spLocks noGrp="1"/>
-          </p:cNvSpPr>
+      <p:pic>
+        <p:nvPicPr>
+          <p:cNvPr id="4" name="Espace réservé du contenu 3"/>
+          <p:cNvPicPr>
+            <a:picLocks noGrp="1" noChangeAspect="1"/>
+          </p:cNvPicPr>
           <p:nvPr>
             <p:ph idx="1"/>
           </p:nvPr>
-        </p:nvSpPr>
-        <p:spPr/>
-        <p:txBody>
-          <a:bodyPr/>
-          <a:lstStyle/>
-          <a:p>
-            <a:r>
-              <a:rPr lang="fr-FR" dirty="0" smtClean="0"/>
-              <a:t>Côté serveur</a:t>
-            </a:r>
-          </a:p>
-          <a:p>
-            <a:endParaRPr lang="fr-FR" dirty="0"/>
-          </a:p>
-          <a:p>
-            <a:endParaRPr lang="fr-FR" dirty="0" smtClean="0"/>
-          </a:p>
-          <a:p>
-            <a:endParaRPr lang="fr-FR" dirty="0" smtClean="0"/>
-          </a:p>
-          <a:p>
-            <a:r>
-              <a:rPr lang="fr-FR" dirty="0" smtClean="0"/>
-              <a:t>Côté client</a:t>
-            </a:r>
-            <a:endParaRPr lang="fr-FR" dirty="0"/>
-          </a:p>
-        </p:txBody>
-      </p:sp>
+        </p:nvPicPr>
+        <p:blipFill>
+          <a:blip r:embed="rId2">
+            <a:extLst>
+              <a:ext uri="{28A0092B-C50C-407E-A947-70E740481C1C}">
+                <a14:useLocalDpi xmlns:a14="http://schemas.microsoft.com/office/drawing/2010/main" val="0"/>
+              </a:ext>
+            </a:extLst>
+          </a:blip>
+          <a:stretch>
+            <a:fillRect/>
+          </a:stretch>
+        </p:blipFill>
+        <p:spPr>
+          <a:xfrm>
+            <a:off x="2592925" y="1264555"/>
+            <a:ext cx="3087167" cy="5378425"/>
+          </a:xfrm>
+        </p:spPr>
+      </p:pic>
+      <p:pic>
+        <p:nvPicPr>
+          <p:cNvPr id="5" name="Image 4"/>
+          <p:cNvPicPr>
+            <a:picLocks noChangeAspect="1"/>
+          </p:cNvPicPr>
+          <p:nvPr/>
+        </p:nvPicPr>
+        <p:blipFill>
+          <a:blip r:embed="rId3">
+            <a:extLst>
+              <a:ext uri="{28A0092B-C50C-407E-A947-70E740481C1C}">
+                <a14:useLocalDpi xmlns:a14="http://schemas.microsoft.com/office/drawing/2010/main" val="0"/>
+              </a:ext>
+            </a:extLst>
+          </a:blip>
+          <a:stretch>
+            <a:fillRect/>
+          </a:stretch>
+        </p:blipFill>
+        <p:spPr>
+          <a:xfrm>
+            <a:off x="6651413" y="1264555"/>
+            <a:ext cx="3319293" cy="5378425"/>
+          </a:xfrm>
+          <a:prstGeom prst="rect">
+            <a:avLst/>
+          </a:prstGeom>
+        </p:spPr>
+      </p:pic>
     </p:spTree>
     <p:extLst>
       <p:ext uri="{BB962C8B-B14F-4D97-AF65-F5344CB8AC3E}">
-        <p14:creationId xmlns:p14="http://schemas.microsoft.com/office/powerpoint/2010/main" val="589507354"/>
+        <p14:creationId xmlns:p14="http://schemas.microsoft.com/office/powerpoint/2010/main" val="3354287598"/>
       </p:ext>
     </p:extLst>
   </p:cSld>
@@ -9121,7 +9440,7 @@
           <a:p>
             <a:r>
               <a:rPr lang="fr-FR" dirty="0" smtClean="0"/>
-              <a:t>Perspectives d’évolution</a:t>
+              <a:t>Démonstration</a:t>
             </a:r>
             <a:endParaRPr lang="fr-FR" dirty="0"/>
           </a:p>
@@ -9139,55 +9458,9 @@
         </p:nvSpPr>
         <p:spPr/>
         <p:txBody>
-          <a:bodyPr>
-            <a:normAutofit lnSpcReduction="10000"/>
-          </a:bodyPr>
+          <a:bodyPr/>
           <a:lstStyle/>
           <a:p>
-            <a:r>
-              <a:rPr lang="fr-FR" dirty="0" smtClean="0"/>
-              <a:t>Calculer le meilleur planning en temps réel avec le GPS</a:t>
-            </a:r>
-          </a:p>
-          <a:p>
-            <a:endParaRPr lang="fr-FR" dirty="0" smtClean="0"/>
-          </a:p>
-          <a:p>
-            <a:r>
-              <a:rPr lang="fr-FR" dirty="0"/>
-              <a:t>Meilleure performance de </a:t>
-            </a:r>
-            <a:r>
-              <a:rPr lang="fr-FR" dirty="0" smtClean="0"/>
-              <a:t>l’application</a:t>
-            </a:r>
-          </a:p>
-          <a:p>
-            <a:endParaRPr lang="fr-FR" dirty="0"/>
-          </a:p>
-          <a:p>
-            <a:r>
-              <a:rPr lang="fr-FR" dirty="0" smtClean="0"/>
-              <a:t>Améliorer la création de planning en affichant la durée des spectacles et en rejetant les incohérences au niveau des horaires</a:t>
-            </a:r>
-          </a:p>
-          <a:p>
-            <a:endParaRPr lang="fr-FR" dirty="0" smtClean="0"/>
-          </a:p>
-          <a:p>
-            <a:r>
-              <a:rPr lang="fr-FR" dirty="0" smtClean="0"/>
-              <a:t>Gérer plus d’erreurs et réaliser plus de tests</a:t>
-            </a:r>
-          </a:p>
-          <a:p>
-            <a:endParaRPr lang="fr-FR" dirty="0" smtClean="0"/>
-          </a:p>
-          <a:p>
-            <a:r>
-              <a:rPr lang="fr-FR" dirty="0" smtClean="0"/>
-              <a:t>Le plan pourrait être réalisé sous forme interactive</a:t>
-            </a:r>
             <a:endParaRPr lang="fr-FR" dirty="0"/>
           </a:p>
         </p:txBody>
@@ -9195,13 +9468,20 @@
     </p:spTree>
     <p:extLst>
       <p:ext uri="{BB962C8B-B14F-4D97-AF65-F5344CB8AC3E}">
-        <p14:creationId xmlns:p14="http://schemas.microsoft.com/office/powerpoint/2010/main" val="2944468820"/>
+        <p14:creationId xmlns:p14="http://schemas.microsoft.com/office/powerpoint/2010/main" val="589507354"/>
       </p:ext>
     </p:extLst>
   </p:cSld>
   <p:clrMapOvr>
     <a:masterClrMapping/>
   </p:clrMapOvr>
+  <p:timing>
+    <p:tnLst>
+      <p:par>
+        <p:cTn id="1" dur="indefinite" restart="never" nodeType="tmRoot"/>
+      </p:par>
+    </p:tnLst>
+  </p:timing>
 </p:sld>
 </file>
 
